--- a/PlatformDeveloperGuide/images/java-c-ui-interface.pptx
+++ b/PlatformDeveloperGuide/images/java-c-ui-interface.pptx
@@ -261,7 +261,7 @@
           <a:p>
             <a:fld id="{4E285625-C24A-4341-90BC-6CD71F835625}" type="datetimeFigureOut">
               <a:rPr lang="en-GB" smtClean="0"/>
-              <a:t>03/08/2020</a:t>
+              <a:t>23/11/2020</a:t>
             </a:fld>
             <a:endParaRPr lang="en-GB"/>
           </a:p>
@@ -461,7 +461,7 @@
           <a:p>
             <a:fld id="{4E285625-C24A-4341-90BC-6CD71F835625}" type="datetimeFigureOut">
               <a:rPr lang="en-GB" smtClean="0"/>
-              <a:t>03/08/2020</a:t>
+              <a:t>23/11/2020</a:t>
             </a:fld>
             <a:endParaRPr lang="en-GB"/>
           </a:p>
@@ -671,7 +671,7 @@
           <a:p>
             <a:fld id="{4E285625-C24A-4341-90BC-6CD71F835625}" type="datetimeFigureOut">
               <a:rPr lang="en-GB" smtClean="0"/>
-              <a:t>03/08/2020</a:t>
+              <a:t>23/11/2020</a:t>
             </a:fld>
             <a:endParaRPr lang="en-GB"/>
           </a:p>
@@ -871,7 +871,7 @@
           <a:p>
             <a:fld id="{4E285625-C24A-4341-90BC-6CD71F835625}" type="datetimeFigureOut">
               <a:rPr lang="en-GB" smtClean="0"/>
-              <a:t>03/08/2020</a:t>
+              <a:t>23/11/2020</a:t>
             </a:fld>
             <a:endParaRPr lang="en-GB"/>
           </a:p>
@@ -1147,7 +1147,7 @@
           <a:p>
             <a:fld id="{4E285625-C24A-4341-90BC-6CD71F835625}" type="datetimeFigureOut">
               <a:rPr lang="en-GB" smtClean="0"/>
-              <a:t>03/08/2020</a:t>
+              <a:t>23/11/2020</a:t>
             </a:fld>
             <a:endParaRPr lang="en-GB"/>
           </a:p>
@@ -1415,7 +1415,7 @@
           <a:p>
             <a:fld id="{4E285625-C24A-4341-90BC-6CD71F835625}" type="datetimeFigureOut">
               <a:rPr lang="en-GB" smtClean="0"/>
-              <a:t>03/08/2020</a:t>
+              <a:t>23/11/2020</a:t>
             </a:fld>
             <a:endParaRPr lang="en-GB"/>
           </a:p>
@@ -1830,7 +1830,7 @@
           <a:p>
             <a:fld id="{4E285625-C24A-4341-90BC-6CD71F835625}" type="datetimeFigureOut">
               <a:rPr lang="en-GB" smtClean="0"/>
-              <a:t>03/08/2020</a:t>
+              <a:t>23/11/2020</a:t>
             </a:fld>
             <a:endParaRPr lang="en-GB"/>
           </a:p>
@@ -1972,7 +1972,7 @@
           <a:p>
             <a:fld id="{4E285625-C24A-4341-90BC-6CD71F835625}" type="datetimeFigureOut">
               <a:rPr lang="en-GB" smtClean="0"/>
-              <a:t>03/08/2020</a:t>
+              <a:t>23/11/2020</a:t>
             </a:fld>
             <a:endParaRPr lang="en-GB"/>
           </a:p>
@@ -2085,7 +2085,7 @@
           <a:p>
             <a:fld id="{4E285625-C24A-4341-90BC-6CD71F835625}" type="datetimeFigureOut">
               <a:rPr lang="en-GB" smtClean="0"/>
-              <a:t>03/08/2020</a:t>
+              <a:t>23/11/2020</a:t>
             </a:fld>
             <a:endParaRPr lang="en-GB"/>
           </a:p>
@@ -2398,7 +2398,7 @@
           <a:p>
             <a:fld id="{4E285625-C24A-4341-90BC-6CD71F835625}" type="datetimeFigureOut">
               <a:rPr lang="en-GB" smtClean="0"/>
-              <a:t>03/08/2020</a:t>
+              <a:t>23/11/2020</a:t>
             </a:fld>
             <a:endParaRPr lang="en-GB"/>
           </a:p>
@@ -2687,7 +2687,7 @@
           <a:p>
             <a:fld id="{4E285625-C24A-4341-90BC-6CD71F835625}" type="datetimeFigureOut">
               <a:rPr lang="en-GB" smtClean="0"/>
-              <a:t>03/08/2020</a:t>
+              <a:t>23/11/2020</a:t>
             </a:fld>
             <a:endParaRPr lang="en-GB"/>
           </a:p>
@@ -2930,7 +2930,7 @@
           <a:p>
             <a:fld id="{4E285625-C24A-4341-90BC-6CD71F835625}" type="datetimeFigureOut">
               <a:rPr lang="en-GB" smtClean="0"/>
-              <a:t>03/08/2020</a:t>
+              <a:t>23/11/2020</a:t>
             </a:fld>
             <a:endParaRPr lang="en-GB"/>
           </a:p>
@@ -4469,7 +4469,8 @@
               </a:srgbClr>
             </a:solidFill>
             <a:prstDash val="solid"/>
-            <a:headEnd type="triangle"/>
+            <a:headEnd type="none" w="med" len="med"/>
+            <a:tailEnd type="triangle" w="med" len="med"/>
           </a:ln>
           <a:effectLst/>
         </p:spPr>
@@ -4561,14 +4562,14 @@
           <p:cNvCxnSpPr>
             <a:cxnSpLocks/>
             <a:stCxn id="22" idx="0"/>
-            <a:endCxn id="14" idx="2"/>
+            <a:endCxn id="9" idx="2"/>
           </p:cNvCxnSpPr>
           <p:nvPr/>
         </p:nvCxnSpPr>
         <p:spPr>
           <a:xfrm flipV="1">
-            <a:off x="5396009" y="2676674"/>
-            <a:ext cx="0" cy="943848"/>
+            <a:off x="5396009" y="3327278"/>
+            <a:ext cx="6040" cy="293244"/>
           </a:xfrm>
           <a:prstGeom prst="line">
             <a:avLst/>
@@ -4582,7 +4583,8 @@
               </a:srgbClr>
             </a:solidFill>
             <a:prstDash val="solid"/>
-            <a:headEnd type="triangle"/>
+            <a:headEnd type="triangle" w="med" len="med"/>
+            <a:tailEnd type="triangle" w="med" len="med"/>
           </a:ln>
           <a:effectLst/>
         </p:spPr>
@@ -5308,6 +5310,43 @@
             </a:solidFill>
             <a:prstDash val="solid"/>
             <a:headEnd type="triangle"/>
+          </a:ln>
+          <a:effectLst/>
+        </p:spPr>
+      </p:cxnSp>
+      <p:cxnSp>
+        <p:nvCxnSpPr>
+          <p:cNvPr id="38" name="Straight Connector 37">
+            <a:extLst>
+              <a:ext uri="{FF2B5EF4-FFF2-40B4-BE49-F238E27FC236}">
+                <a16:creationId xmlns:a16="http://schemas.microsoft.com/office/drawing/2014/main" id="{8872585C-542C-4593-BB3F-1E8A4D006D86}"/>
+              </a:ext>
+            </a:extLst>
+          </p:cNvPr>
+          <p:cNvCxnSpPr>
+            <a:cxnSpLocks/>
+          </p:cNvCxnSpPr>
+          <p:nvPr/>
+        </p:nvCxnSpPr>
+        <p:spPr>
+          <a:xfrm flipV="1">
+            <a:off x="5399029" y="2703096"/>
+            <a:ext cx="6040" cy="293244"/>
+          </a:xfrm>
+          <a:prstGeom prst="line">
+            <a:avLst/>
+          </a:prstGeom>
+          <a:noFill/>
+          <a:ln w="28575" cap="flat" cmpd="sng" algn="ctr">
+            <a:solidFill>
+              <a:srgbClr val="717D83">
+                <a:lumMod val="60000"/>
+                <a:lumOff val="40000"/>
+              </a:srgbClr>
+            </a:solidFill>
+            <a:prstDash val="solid"/>
+            <a:headEnd type="triangle" w="med" len="med"/>
+            <a:tailEnd type="triangle" w="med" len="med"/>
           </a:ln>
           <a:effectLst/>
         </p:spPr>
